--- a/CORE XT DEMO.pptx
+++ b/CORE XT DEMO.pptx
@@ -7,18 +7,19 @@
   <p:sldIdLst>
     <p:sldId id="256" r:id="rId2"/>
     <p:sldId id="257" r:id="rId3"/>
-    <p:sldId id="258" r:id="rId4"/>
-    <p:sldId id="259" r:id="rId5"/>
-    <p:sldId id="260" r:id="rId6"/>
-    <p:sldId id="261" r:id="rId7"/>
-    <p:sldId id="262" r:id="rId8"/>
-    <p:sldId id="269" r:id="rId9"/>
-    <p:sldId id="263" r:id="rId10"/>
-    <p:sldId id="264" r:id="rId11"/>
-    <p:sldId id="266" r:id="rId12"/>
-    <p:sldId id="265" r:id="rId13"/>
-    <p:sldId id="268" r:id="rId14"/>
-    <p:sldId id="270" r:id="rId15"/>
+    <p:sldId id="271" r:id="rId4"/>
+    <p:sldId id="258" r:id="rId5"/>
+    <p:sldId id="259" r:id="rId6"/>
+    <p:sldId id="260" r:id="rId7"/>
+    <p:sldId id="261" r:id="rId8"/>
+    <p:sldId id="262" r:id="rId9"/>
+    <p:sldId id="269" r:id="rId10"/>
+    <p:sldId id="263" r:id="rId11"/>
+    <p:sldId id="264" r:id="rId12"/>
+    <p:sldId id="266" r:id="rId13"/>
+    <p:sldId id="265" r:id="rId14"/>
+    <p:sldId id="268" r:id="rId15"/>
+    <p:sldId id="270" r:id="rId16"/>
   </p:sldIdLst>
   <p:sldSz cx="12192000" cy="6858000"/>
   <p:notesSz cx="6858000" cy="9144000"/>
@@ -3090,6 +3091,124 @@
         </p:nvSpPr>
         <p:spPr>
           <a:xfrm>
+            <a:off x="838200" y="365125"/>
+            <a:ext cx="10515600" cy="560033"/>
+          </a:xfrm>
+        </p:spPr>
+        <p:txBody>
+          <a:bodyPr>
+            <a:normAutofit fontScale="90000"/>
+          </a:bodyPr>
+          <a:lstStyle/>
+          <a:p>
+            <a:pPr algn="ctr"/>
+            <a:r>
+              <a:rPr lang="en-US" dirty="0" smtClean="0"/>
+              <a:t>Home Page</a:t>
+            </a:r>
+            <a:endParaRPr lang="en-US" dirty="0"/>
+          </a:p>
+        </p:txBody>
+      </p:sp>
+      <p:pic>
+        <p:nvPicPr>
+          <p:cNvPr id="4" name="Content Placeholder 3"/>
+          <p:cNvPicPr>
+            <a:picLocks noGrp="1" noChangeAspect="1"/>
+          </p:cNvPicPr>
+          <p:nvPr>
+            <p:ph idx="1"/>
+          </p:nvPr>
+        </p:nvPicPr>
+        <p:blipFill>
+          <a:blip r:embed="rId2"/>
+          <a:stretch>
+            <a:fillRect/>
+          </a:stretch>
+        </p:blipFill>
+        <p:spPr>
+          <a:xfrm>
+            <a:off x="838200" y="925158"/>
+            <a:ext cx="6928821" cy="3786691"/>
+          </a:xfrm>
+          <a:prstGeom prst="rect">
+            <a:avLst/>
+          </a:prstGeom>
+        </p:spPr>
+      </p:pic>
+      <p:pic>
+        <p:nvPicPr>
+          <p:cNvPr id="9" name="Picture 8"/>
+          <p:cNvPicPr>
+            <a:picLocks noChangeAspect="1"/>
+          </p:cNvPicPr>
+          <p:nvPr/>
+        </p:nvPicPr>
+        <p:blipFill>
+          <a:blip r:embed="rId3"/>
+          <a:stretch>
+            <a:fillRect/>
+          </a:stretch>
+        </p:blipFill>
+        <p:spPr>
+          <a:xfrm>
+            <a:off x="8057421" y="925158"/>
+            <a:ext cx="3629025" cy="5626249"/>
+          </a:xfrm>
+          <a:prstGeom prst="rect">
+            <a:avLst/>
+          </a:prstGeom>
+        </p:spPr>
+      </p:pic>
+    </p:spTree>
+    <p:extLst>
+      <p:ext uri="{BB962C8B-B14F-4D97-AF65-F5344CB8AC3E}">
+        <p14:creationId xmlns:p14="http://schemas.microsoft.com/office/powerpoint/2010/main" val="3786535530"/>
+      </p:ext>
+    </p:extLst>
+  </p:cSld>
+  <p:clrMapOvr>
+    <a:masterClrMapping/>
+  </p:clrMapOvr>
+  <p:timing>
+    <p:tnLst>
+      <p:par>
+        <p:cTn id="1" dur="indefinite" restart="never" nodeType="tmRoot"/>
+      </p:par>
+    </p:tnLst>
+  </p:timing>
+</p:sld>
+</file>
+
+<file path=ppt/slides/slide11.xml><?xml version="1.0" encoding="utf-8"?>
+<p:sld xmlns:a="http://schemas.openxmlformats.org/drawingml/2006/main" xmlns:r="http://schemas.openxmlformats.org/officeDocument/2006/relationships" xmlns:p="http://schemas.openxmlformats.org/presentationml/2006/main">
+  <p:cSld>
+    <p:spTree>
+      <p:nvGrpSpPr>
+        <p:cNvPr id="1" name=""/>
+        <p:cNvGrpSpPr/>
+        <p:nvPr/>
+      </p:nvGrpSpPr>
+      <p:grpSpPr>
+        <a:xfrm>
+          <a:off x="0" y="0"/>
+          <a:ext cx="0" cy="0"/>
+          <a:chOff x="0" y="0"/>
+          <a:chExt cx="0" cy="0"/>
+        </a:xfrm>
+      </p:grpSpPr>
+      <p:sp>
+        <p:nvSpPr>
+          <p:cNvPr id="2" name="Title 1"/>
+          <p:cNvSpPr>
+            <a:spLocks noGrp="1"/>
+          </p:cNvSpPr>
+          <p:nvPr>
+            <p:ph type="title"/>
+          </p:nvPr>
+        </p:nvSpPr>
+        <p:spPr>
+          <a:xfrm>
             <a:off x="838200" y="365126"/>
             <a:ext cx="10515600" cy="646094"/>
           </a:xfrm>
@@ -3179,7 +3298,7 @@
 </p:sld>
 </file>
 
-<file path=ppt/slides/slide11.xml><?xml version="1.0" encoding="utf-8"?>
+<file path=ppt/slides/slide12.xml><?xml version="1.0" encoding="utf-8"?>
 <p:sld xmlns:a="http://schemas.openxmlformats.org/drawingml/2006/main" xmlns:r="http://schemas.openxmlformats.org/officeDocument/2006/relationships" xmlns:p="http://schemas.openxmlformats.org/presentationml/2006/main">
   <p:cSld>
     <p:spTree>
@@ -3297,7 +3416,7 @@
 </p:sld>
 </file>
 
-<file path=ppt/slides/slide12.xml><?xml version="1.0" encoding="utf-8"?>
+<file path=ppt/slides/slide13.xml><?xml version="1.0" encoding="utf-8"?>
 <p:sld xmlns:a="http://schemas.openxmlformats.org/drawingml/2006/main" xmlns:r="http://schemas.openxmlformats.org/officeDocument/2006/relationships" xmlns:p="http://schemas.openxmlformats.org/presentationml/2006/main">
   <p:cSld>
     <p:spTree>
@@ -3415,7 +3534,7 @@
 </p:sld>
 </file>
 
-<file path=ppt/slides/slide13.xml><?xml version="1.0" encoding="utf-8"?>
+<file path=ppt/slides/slide14.xml><?xml version="1.0" encoding="utf-8"?>
 <p:sld xmlns:a="http://schemas.openxmlformats.org/drawingml/2006/main" xmlns:r="http://schemas.openxmlformats.org/officeDocument/2006/relationships" xmlns:p="http://schemas.openxmlformats.org/presentationml/2006/main">
   <p:cSld>
     <p:spTree>
@@ -3533,7 +3652,7 @@
 </p:sld>
 </file>
 
-<file path=ppt/slides/slide14.xml><?xml version="1.0" encoding="utf-8"?>
+<file path=ppt/slides/slide15.xml><?xml version="1.0" encoding="utf-8"?>
 <p:sld xmlns:a="http://schemas.openxmlformats.org/drawingml/2006/main" xmlns:r="http://schemas.openxmlformats.org/officeDocument/2006/relationships" xmlns:p="http://schemas.openxmlformats.org/presentationml/2006/main">
   <p:cSld>
     <p:spTree>
@@ -3762,7 +3881,7 @@
           <a:p>
             <a:r>
               <a:rPr lang="en-US" dirty="0" smtClean="0"/>
-              <a:t>Technologies Used</a:t>
+              <a:t>NFR’s</a:t>
             </a:r>
             <a:endParaRPr lang="en-US" dirty="0"/>
           </a:p>
@@ -3780,95 +3899,64 @@
         </p:nvSpPr>
         <p:spPr/>
         <p:txBody>
-          <a:bodyPr>
-            <a:normAutofit/>
-          </a:bodyPr>
-          <a:lstStyle/>
-          <a:p>
-            <a:r>
-              <a:rPr lang="en-US" dirty="0" smtClean="0"/>
-              <a:t>HTML</a:t>
-            </a:r>
-          </a:p>
-          <a:p>
-            <a:pPr lvl="1"/>
-            <a:r>
-              <a:rPr lang="en-US" dirty="0" smtClean="0"/>
-              <a:t>HTML 5 Semantic Elements</a:t>
-            </a:r>
-          </a:p>
-          <a:p>
-            <a:pPr lvl="1"/>
-            <a:r>
-              <a:rPr lang="en-US" dirty="0" smtClean="0"/>
-              <a:t>Html Structure For Web Accessibility</a:t>
-            </a:r>
-          </a:p>
-          <a:p>
-            <a:pPr lvl="1"/>
-            <a:r>
-              <a:rPr lang="en-US" dirty="0" smtClean="0"/>
-              <a:t>Avoiding unnecessary tags</a:t>
-            </a:r>
-          </a:p>
-          <a:p>
+          <a:bodyPr/>
+          <a:lstStyle/>
+          <a:p>
+            <a:r>
+              <a:rPr lang="en-US" dirty="0" smtClean="0"/>
+              <a:t>Mobile First Approach</a:t>
+            </a:r>
+          </a:p>
+          <a:p>
+            <a:r>
+              <a:rPr lang="en-US" dirty="0" smtClean="0"/>
+              <a:t>Single Page Application</a:t>
+            </a:r>
+          </a:p>
+          <a:p>
+            <a:r>
+              <a:rPr lang="en-US" dirty="0" err="1" smtClean="0"/>
+              <a:t>Linting</a:t>
+            </a:r>
             <a:endParaRPr lang="en-US" dirty="0" smtClean="0"/>
           </a:p>
           <a:p>
             <a:r>
               <a:rPr lang="en-US" dirty="0" smtClean="0"/>
-              <a:t>CSS</a:t>
-            </a:r>
-          </a:p>
-          <a:p>
-            <a:pPr lvl="1"/>
-            <a:r>
-              <a:rPr lang="en-US" dirty="0" smtClean="0"/>
-              <a:t>Used SCSS</a:t>
-            </a:r>
-            <a:endParaRPr lang="en-US" dirty="0" smtClean="0"/>
-          </a:p>
-          <a:p>
-            <a:pPr lvl="1"/>
-            <a:r>
-              <a:rPr lang="en-US" dirty="0" smtClean="0"/>
-              <a:t>Mobile First Approach.</a:t>
-            </a:r>
-          </a:p>
-          <a:p>
-            <a:pPr lvl="1"/>
-            <a:r>
-              <a:rPr lang="en-US" dirty="0" smtClean="0"/>
-              <a:t>Class name according to BEM.</a:t>
-            </a:r>
-          </a:p>
-          <a:p>
-            <a:pPr lvl="1"/>
-            <a:r>
-              <a:rPr lang="en-US" dirty="0" smtClean="0"/>
-              <a:t>Nesting in BEM </a:t>
-            </a:r>
-            <a:r>
-              <a:rPr lang="en-US" dirty="0" err="1" smtClean="0"/>
-              <a:t>upto</a:t>
-            </a:r>
-            <a:r>
-              <a:rPr lang="en-US" dirty="0" smtClean="0"/>
-              <a:t> 3 levels.</a:t>
-            </a:r>
-          </a:p>
-          <a:p>
-            <a:pPr marL="457200" lvl="1" indent="0">
-              <a:buNone/>
-            </a:pPr>
-            <a:endParaRPr lang="en-US" dirty="0" smtClean="0"/>
+              <a:t>Accessibility</a:t>
+            </a:r>
+          </a:p>
+          <a:p>
+            <a:r>
+              <a:rPr lang="en-US" dirty="0" smtClean="0"/>
+              <a:t>ES 6</a:t>
+            </a:r>
+          </a:p>
+          <a:p>
+            <a:r>
+              <a:rPr lang="en-US" dirty="0" smtClean="0"/>
+              <a:t>BEM Model</a:t>
+            </a:r>
+          </a:p>
+          <a:p>
+            <a:r>
+              <a:rPr lang="en-US" dirty="0" smtClean="0"/>
+              <a:t>SCSS</a:t>
+            </a:r>
+          </a:p>
+          <a:p>
+            <a:r>
+              <a:rPr lang="en-US" smtClean="0"/>
+              <a:t>HBS</a:t>
+            </a:r>
+            <a:endParaRPr lang="en-US" dirty="0"/>
           </a:p>
         </p:txBody>
       </p:sp>
     </p:spTree>
     <p:extLst>
       <p:ext uri="{BB962C8B-B14F-4D97-AF65-F5344CB8AC3E}">
-        <p14:creationId xmlns:p14="http://schemas.microsoft.com/office/powerpoint/2010/main" val="577505992"/>
+        <p14:creationId xmlns:p14="http://schemas.microsoft.com/office/powerpoint/2010/main" val="947689295"/>
       </p:ext>
     </p:extLst>
   </p:cSld>
@@ -3904,6 +3992,29 @@
       </p:grpSpPr>
       <p:sp>
         <p:nvSpPr>
+          <p:cNvPr id="2" name="Title 1"/>
+          <p:cNvSpPr>
+            <a:spLocks noGrp="1"/>
+          </p:cNvSpPr>
+          <p:nvPr>
+            <p:ph type="title"/>
+          </p:nvPr>
+        </p:nvSpPr>
+        <p:spPr/>
+        <p:txBody>
+          <a:bodyPr/>
+          <a:lstStyle/>
+          <a:p>
+            <a:r>
+              <a:rPr lang="en-US" dirty="0" smtClean="0"/>
+              <a:t>Tech Specs</a:t>
+            </a:r>
+            <a:endParaRPr lang="en-US" dirty="0"/>
+          </a:p>
+        </p:txBody>
+      </p:sp>
+      <p:sp>
+        <p:nvSpPr>
           <p:cNvPr id="3" name="Content Placeholder 2"/>
           <p:cNvSpPr>
             <a:spLocks noGrp="1"/>
@@ -3912,147 +4023,89 @@
             <p:ph idx="1"/>
           </p:nvPr>
         </p:nvSpPr>
-        <p:spPr>
-          <a:xfrm>
-            <a:off x="838200" y="451821"/>
-            <a:ext cx="10515600" cy="5725142"/>
-          </a:xfrm>
-        </p:spPr>
+        <p:spPr/>
         <p:txBody>
           <a:bodyPr>
-            <a:normAutofit lnSpcReduction="10000"/>
+            <a:normAutofit/>
           </a:bodyPr>
           <a:lstStyle/>
           <a:p>
             <a:r>
               <a:rPr lang="en-US" dirty="0" smtClean="0"/>
-              <a:t>JAVASCRIPT</a:t>
+              <a:t>HTML</a:t>
             </a:r>
           </a:p>
           <a:p>
             <a:pPr lvl="1"/>
             <a:r>
               <a:rPr lang="en-US" dirty="0" smtClean="0"/>
-              <a:t>MVC Structure</a:t>
+              <a:t>HTML 5 Semantic Elements</a:t>
             </a:r>
           </a:p>
           <a:p>
             <a:pPr lvl="1"/>
             <a:r>
               <a:rPr lang="en-US" dirty="0" smtClean="0"/>
-              <a:t>ES6</a:t>
+              <a:t>Html Structure For Web Accessibility</a:t>
             </a:r>
           </a:p>
           <a:p>
             <a:pPr lvl="1"/>
             <a:r>
-              <a:rPr lang="en-US" smtClean="0"/>
-              <a:t>Session Storage</a:t>
-            </a:r>
+              <a:rPr lang="en-US" dirty="0" smtClean="0"/>
+              <a:t>Avoiding unnecessary tags</a:t>
+            </a:r>
+          </a:p>
+          <a:p>
             <a:endParaRPr lang="en-US" dirty="0" smtClean="0"/>
           </a:p>
           <a:p>
+            <a:r>
+              <a:rPr lang="en-US" dirty="0" smtClean="0"/>
+              <a:t>CSS</a:t>
+            </a:r>
+          </a:p>
+          <a:p>
             <a:pPr lvl="1"/>
             <a:r>
               <a:rPr lang="en-US" dirty="0" smtClean="0"/>
-              <a:t>Single Page Application Approach</a:t>
+              <a:t>Used SCSS</a:t>
             </a:r>
             <a:endParaRPr lang="en-US" dirty="0" smtClean="0"/>
           </a:p>
           <a:p>
-            <a:pPr marL="0" indent="0">
+            <a:pPr lvl="1"/>
+            <a:r>
+              <a:rPr lang="en-US" dirty="0" smtClean="0"/>
+              <a:t>Mobile First Approach.</a:t>
+            </a:r>
+          </a:p>
+          <a:p>
+            <a:pPr lvl="1"/>
+            <a:r>
+              <a:rPr lang="en-US" dirty="0" smtClean="0"/>
+              <a:t>Class name according to BEM.</a:t>
+            </a:r>
+          </a:p>
+          <a:p>
+            <a:pPr lvl="1"/>
+            <a:r>
+              <a:rPr lang="en-US" dirty="0" smtClean="0"/>
+              <a:t>Nesting in BEM </a:t>
+            </a:r>
+            <a:r>
+              <a:rPr lang="en-US" dirty="0" err="1" smtClean="0"/>
+              <a:t>upto</a:t>
+            </a:r>
+            <a:r>
+              <a:rPr lang="en-US" dirty="0" smtClean="0"/>
+              <a:t> 3 levels.</a:t>
+            </a:r>
+          </a:p>
+          <a:p>
+            <a:pPr marL="457200" lvl="1" indent="0">
               <a:buNone/>
             </a:pPr>
-            <a:endParaRPr lang="en-US" dirty="0" smtClean="0"/>
-          </a:p>
-          <a:p>
-            <a:r>
-              <a:rPr lang="en-US" dirty="0" smtClean="0"/>
-              <a:t>HANDLEBAR</a:t>
-            </a:r>
-            <a:r>
-              <a:rPr lang="en-US" sz="1400" dirty="0" smtClean="0"/>
-              <a:t>  </a:t>
-            </a:r>
-          </a:p>
-          <a:p>
-            <a:pPr lvl="1"/>
-            <a:r>
-              <a:rPr lang="en-US" dirty="0" smtClean="0"/>
-              <a:t>This use to divide a big task or page into smaller  components so that components can be reused. In this </a:t>
-            </a:r>
-            <a:r>
-              <a:rPr lang="en-US" dirty="0"/>
-              <a:t>we can also manipulate the dynamic data rendering. </a:t>
-            </a:r>
-            <a:endParaRPr lang="en-US" dirty="0" smtClean="0"/>
-          </a:p>
-          <a:p>
-            <a:pPr lvl="1"/>
-            <a:r>
-              <a:rPr lang="en-US" dirty="0" smtClean="0"/>
-              <a:t>Used Two Folders for this </a:t>
-            </a:r>
-          </a:p>
-          <a:p>
-            <a:pPr lvl="2"/>
-            <a:r>
-              <a:rPr lang="en-US" dirty="0" smtClean="0"/>
-              <a:t>Templates</a:t>
-            </a:r>
-          </a:p>
-          <a:p>
-            <a:pPr marL="1371600" lvl="3" indent="0">
-              <a:buNone/>
-            </a:pPr>
-            <a:r>
-              <a:rPr lang="en-US" dirty="0" smtClean="0"/>
-              <a:t>To get </a:t>
-            </a:r>
-            <a:r>
-              <a:rPr lang="en-US" dirty="0" err="1" smtClean="0"/>
-              <a:t>hbs</a:t>
-            </a:r>
-            <a:r>
-              <a:rPr lang="en-US" dirty="0" smtClean="0"/>
-              <a:t> files which will work with dynamic data coming from server</a:t>
-            </a:r>
-            <a:endParaRPr lang="en-US" dirty="0"/>
-          </a:p>
-          <a:p>
-            <a:pPr lvl="2"/>
-            <a:r>
-              <a:rPr lang="en-US" dirty="0" smtClean="0"/>
-              <a:t>Partials</a:t>
-            </a:r>
-          </a:p>
-          <a:p>
-            <a:pPr marL="1371600" lvl="3" indent="0">
-              <a:buNone/>
-            </a:pPr>
-            <a:r>
-              <a:rPr lang="en-US" dirty="0" smtClean="0"/>
-              <a:t>These are static pages for </a:t>
-            </a:r>
-            <a:r>
-              <a:rPr lang="en-US" b="1" dirty="0" smtClean="0"/>
-              <a:t>Single Page Application (SPA)</a:t>
-            </a:r>
-          </a:p>
-          <a:p>
-            <a:pPr marL="0" indent="0">
-              <a:buNone/>
-            </a:pPr>
-            <a:endParaRPr lang="en-US" dirty="0"/>
-          </a:p>
-          <a:p>
-            <a:pPr marL="0" indent="0">
-              <a:buNone/>
-            </a:pPr>
-            <a:endParaRPr lang="en-US" dirty="0" smtClean="0"/>
-          </a:p>
-          <a:p>
-            <a:pPr lvl="1"/>
             <a:endParaRPr lang="en-US" dirty="0" smtClean="0"/>
           </a:p>
         </p:txBody>
@@ -4060,7 +4113,7 @@
     </p:spTree>
     <p:extLst>
       <p:ext uri="{BB962C8B-B14F-4D97-AF65-F5344CB8AC3E}">
-        <p14:creationId xmlns:p14="http://schemas.microsoft.com/office/powerpoint/2010/main" val="2850231691"/>
+        <p14:creationId xmlns:p14="http://schemas.microsoft.com/office/powerpoint/2010/main" val="577505992"/>
       </p:ext>
     </p:extLst>
   </p:cSld>
@@ -4106,163 +4159,152 @@
         </p:nvSpPr>
         <p:spPr>
           <a:xfrm>
-            <a:off x="838200" y="473336"/>
-            <a:ext cx="10515600" cy="5703627"/>
+            <a:off x="838200" y="451821"/>
+            <a:ext cx="10515600" cy="5725142"/>
           </a:xfrm>
         </p:spPr>
         <p:txBody>
           <a:bodyPr>
-            <a:normAutofit/>
+            <a:normAutofit lnSpcReduction="10000"/>
           </a:bodyPr>
           <a:lstStyle/>
           <a:p>
             <a:r>
               <a:rPr lang="en-US" dirty="0" smtClean="0"/>
-              <a:t>NODEJS</a:t>
+              <a:t>JAVASCRIPT</a:t>
             </a:r>
           </a:p>
           <a:p>
             <a:pPr lvl="1"/>
             <a:r>
               <a:rPr lang="en-US" dirty="0" smtClean="0"/>
-              <a:t>APIs</a:t>
+              <a:t>MVC Structure</a:t>
+            </a:r>
+          </a:p>
+          <a:p>
+            <a:pPr lvl="1"/>
+            <a:r>
+              <a:rPr lang="en-US" dirty="0" smtClean="0"/>
+              <a:t>ES6</a:t>
+            </a:r>
+          </a:p>
+          <a:p>
+            <a:pPr lvl="1"/>
+            <a:r>
+              <a:rPr lang="en-US" dirty="0" smtClean="0"/>
+              <a:t>Session Storage</a:t>
+            </a:r>
+          </a:p>
+          <a:p>
+            <a:pPr lvl="1"/>
+            <a:r>
+              <a:rPr lang="en-US" dirty="0" smtClean="0"/>
+              <a:t>Single Page Application Approach</a:t>
+            </a:r>
+            <a:endParaRPr lang="en-US" dirty="0" smtClean="0"/>
+          </a:p>
+          <a:p>
+            <a:pPr marL="0" indent="0">
+              <a:buNone/>
+            </a:pPr>
+            <a:endParaRPr lang="en-US" dirty="0" smtClean="0"/>
+          </a:p>
+          <a:p>
+            <a:r>
+              <a:rPr lang="en-US" dirty="0" smtClean="0"/>
+              <a:t>HANDLEBAR</a:t>
+            </a:r>
+            <a:r>
+              <a:rPr lang="en-US" sz="1400" dirty="0" smtClean="0"/>
+              <a:t>  </a:t>
+            </a:r>
+          </a:p>
+          <a:p>
+            <a:pPr lvl="1"/>
+            <a:r>
+              <a:rPr lang="en-US" dirty="0" smtClean="0"/>
+              <a:t>This use to divide a big task or page into smaller  components so that components can be reused. In this </a:t>
+            </a:r>
+            <a:r>
+              <a:rPr lang="en-US" dirty="0"/>
+              <a:t>we can also manipulate the dynamic data rendering. </a:t>
+            </a:r>
+            <a:endParaRPr lang="en-US" dirty="0" smtClean="0"/>
+          </a:p>
+          <a:p>
+            <a:pPr lvl="1"/>
+            <a:r>
+              <a:rPr lang="en-US" dirty="0" smtClean="0"/>
+              <a:t>Used Two Folders for this </a:t>
             </a:r>
           </a:p>
           <a:p>
             <a:pPr lvl="2"/>
             <a:r>
               <a:rPr lang="en-US" dirty="0" smtClean="0"/>
-              <a:t>GET products : ‘/products’</a:t>
-            </a:r>
+              <a:t>Templates</a:t>
+            </a:r>
+          </a:p>
+          <a:p>
+            <a:pPr marL="1371600" lvl="3" indent="0">
+              <a:buNone/>
+            </a:pPr>
+            <a:r>
+              <a:rPr lang="en-US" dirty="0" smtClean="0"/>
+              <a:t>To get </a:t>
+            </a:r>
+            <a:r>
+              <a:rPr lang="en-US" dirty="0" err="1" smtClean="0"/>
+              <a:t>hbs</a:t>
+            </a:r>
+            <a:r>
+              <a:rPr lang="en-US" dirty="0" smtClean="0"/>
+              <a:t> files which will work with dynamic data coming from server</a:t>
+            </a:r>
+            <a:endParaRPr lang="en-US" dirty="0"/>
           </a:p>
           <a:p>
             <a:pPr lvl="2"/>
             <a:r>
               <a:rPr lang="en-US" dirty="0" smtClean="0"/>
-              <a:t>GET products by category id : </a:t>
-            </a:r>
-            <a:r>
-              <a:rPr lang="en-US" dirty="0" smtClean="0"/>
-              <a:t>‘/</a:t>
-            </a:r>
-            <a:r>
-              <a:rPr lang="en-US" dirty="0" err="1" smtClean="0"/>
-              <a:t>products?categoryId</a:t>
-            </a:r>
-            <a:r>
-              <a:rPr lang="en-US" dirty="0" smtClean="0"/>
-              <a:t>={</a:t>
-            </a:r>
-            <a:r>
-              <a:rPr lang="en-US" dirty="0" err="1" smtClean="0"/>
-              <a:t>categoryId</a:t>
-            </a:r>
-            <a:r>
-              <a:rPr lang="en-US" dirty="0" smtClean="0"/>
-              <a:t>}’</a:t>
-            </a:r>
+              <a:t>Partials</a:t>
+            </a:r>
+          </a:p>
+          <a:p>
+            <a:pPr marL="1371600" lvl="3" indent="0">
+              <a:buNone/>
+            </a:pPr>
+            <a:r>
+              <a:rPr lang="en-US" dirty="0" smtClean="0"/>
+              <a:t>These are static pages for </a:t>
+            </a:r>
+            <a:r>
+              <a:rPr lang="en-US" b="1" dirty="0" smtClean="0"/>
+              <a:t>Single Page Application (SPA)</a:t>
+            </a:r>
+          </a:p>
+          <a:p>
+            <a:pPr marL="0" indent="0">
+              <a:buNone/>
+            </a:pPr>
+            <a:endParaRPr lang="en-US" dirty="0"/>
+          </a:p>
+          <a:p>
+            <a:pPr marL="0" indent="0">
+              <a:buNone/>
+            </a:pPr>
             <a:endParaRPr lang="en-US" dirty="0" smtClean="0"/>
           </a:p>
           <a:p>
-            <a:pPr lvl="2"/>
-            <a:r>
-              <a:rPr lang="en-US" dirty="0" smtClean="0"/>
-              <a:t>GET categories : </a:t>
-            </a:r>
-            <a:r>
-              <a:rPr lang="en-US" dirty="0" smtClean="0"/>
-              <a:t>‘/</a:t>
-            </a:r>
-            <a:r>
-              <a:rPr lang="en-US" dirty="0" smtClean="0"/>
-              <a:t>categories</a:t>
-            </a:r>
-            <a:r>
-              <a:rPr lang="en-US" dirty="0" smtClean="0"/>
-              <a:t>’</a:t>
-            </a:r>
+            <a:pPr lvl="1"/>
             <a:endParaRPr lang="en-US" dirty="0" smtClean="0"/>
-          </a:p>
-          <a:p>
-            <a:pPr lvl="2"/>
-            <a:r>
-              <a:rPr lang="en-US" dirty="0" smtClean="0"/>
-              <a:t>GET Home Banners : </a:t>
-            </a:r>
-            <a:r>
-              <a:rPr lang="en-US" dirty="0" smtClean="0"/>
-              <a:t>‘/</a:t>
-            </a:r>
-            <a:r>
-              <a:rPr lang="en-US" dirty="0" err="1" smtClean="0"/>
-              <a:t>home_banners</a:t>
-            </a:r>
-            <a:r>
-              <a:rPr lang="en-US" dirty="0" smtClean="0"/>
-              <a:t>’</a:t>
-            </a:r>
-          </a:p>
-          <a:p>
-            <a:pPr marL="0" indent="0">
-              <a:buNone/>
-            </a:pPr>
-            <a:r>
-              <a:rPr lang="en-US" dirty="0" smtClean="0"/>
-              <a:t>	</a:t>
-            </a:r>
-          </a:p>
-          <a:p>
-            <a:r>
-              <a:rPr lang="en-US" dirty="0" smtClean="0"/>
-              <a:t>MONGODB</a:t>
-            </a:r>
-          </a:p>
-          <a:p>
-            <a:pPr lvl="1"/>
-            <a:r>
-              <a:rPr lang="en-US" dirty="0" smtClean="0"/>
-              <a:t>DB (Shopping Cart)</a:t>
-            </a:r>
-          </a:p>
-          <a:p>
-            <a:pPr lvl="2"/>
-            <a:r>
-              <a:rPr lang="en-US" dirty="0" smtClean="0"/>
-              <a:t>Collections</a:t>
-            </a:r>
-          </a:p>
-          <a:p>
-            <a:pPr lvl="3"/>
-            <a:r>
-              <a:rPr lang="en-US" dirty="0"/>
-              <a:t>c</a:t>
-            </a:r>
-            <a:r>
-              <a:rPr lang="en-US" dirty="0" smtClean="0"/>
-              <a:t>ategory</a:t>
-            </a:r>
-          </a:p>
-          <a:p>
-            <a:pPr lvl="3"/>
-            <a:r>
-              <a:rPr lang="en-US" dirty="0" err="1" smtClean="0"/>
-              <a:t>home_banners</a:t>
-            </a:r>
-            <a:endParaRPr lang="en-US" dirty="0" smtClean="0"/>
-          </a:p>
-          <a:p>
-            <a:pPr lvl="3"/>
-            <a:r>
-              <a:rPr lang="en-US" dirty="0" smtClean="0"/>
-              <a:t>products</a:t>
-            </a:r>
           </a:p>
         </p:txBody>
       </p:sp>
     </p:spTree>
     <p:extLst>
       <p:ext uri="{BB962C8B-B14F-4D97-AF65-F5344CB8AC3E}">
-        <p14:creationId xmlns:p14="http://schemas.microsoft.com/office/powerpoint/2010/main" val="82296547"/>
+        <p14:creationId xmlns:p14="http://schemas.microsoft.com/office/powerpoint/2010/main" val="2850231691"/>
       </p:ext>
     </p:extLst>
   </p:cSld>
@@ -4308,61 +4350,155 @@
         </p:nvSpPr>
         <p:spPr>
           <a:xfrm>
-            <a:off x="838200" y="419548"/>
-            <a:ext cx="10515600" cy="5757415"/>
+            <a:off x="838200" y="473336"/>
+            <a:ext cx="10515600" cy="5703627"/>
           </a:xfrm>
         </p:spPr>
         <p:txBody>
-          <a:bodyPr/>
-          <a:lstStyle/>
-          <a:p>
-            <a:r>
-              <a:rPr lang="en-US" dirty="0" smtClean="0"/>
-              <a:t>WEBPACK</a:t>
+          <a:bodyPr>
+            <a:normAutofit/>
+          </a:bodyPr>
+          <a:lstStyle/>
+          <a:p>
+            <a:r>
+              <a:rPr lang="en-US" dirty="0" smtClean="0"/>
+              <a:t>NODEJS</a:t>
             </a:r>
           </a:p>
           <a:p>
             <a:pPr lvl="1"/>
             <a:r>
+              <a:rPr lang="en-US" dirty="0" smtClean="0"/>
+              <a:t>APIs</a:t>
+            </a:r>
+          </a:p>
+          <a:p>
+            <a:pPr lvl="2"/>
+            <a:r>
+              <a:rPr lang="en-US" dirty="0" smtClean="0"/>
+              <a:t>GET products : ‘/products’</a:t>
+            </a:r>
+          </a:p>
+          <a:p>
+            <a:pPr lvl="2"/>
+            <a:r>
+              <a:rPr lang="en-US" dirty="0" smtClean="0"/>
+              <a:t>GET products by category id : </a:t>
+            </a:r>
+            <a:r>
+              <a:rPr lang="en-US" dirty="0" smtClean="0"/>
+              <a:t>‘/</a:t>
+            </a:r>
+            <a:r>
               <a:rPr lang="en-US" dirty="0" err="1" smtClean="0"/>
-              <a:t>Bable</a:t>
-            </a:r>
-            <a:r>
-              <a:rPr lang="en-US" dirty="0" smtClean="0"/>
-              <a:t> </a:t>
+              <a:t>products?categoryId</a:t>
+            </a:r>
+            <a:r>
+              <a:rPr lang="en-US" dirty="0" smtClean="0"/>
+              <a:t>={</a:t>
+            </a:r>
+            <a:r>
+              <a:rPr lang="en-US" dirty="0" err="1" smtClean="0"/>
+              <a:t>categoryId</a:t>
+            </a:r>
+            <a:r>
+              <a:rPr lang="en-US" dirty="0" smtClean="0"/>
+              <a:t>}’</a:t>
+            </a:r>
+            <a:endParaRPr lang="en-US" dirty="0" smtClean="0"/>
+          </a:p>
+          <a:p>
+            <a:pPr lvl="2"/>
+            <a:r>
+              <a:rPr lang="en-US" dirty="0" smtClean="0"/>
+              <a:t>GET categories : </a:t>
+            </a:r>
+            <a:r>
+              <a:rPr lang="en-US" dirty="0" smtClean="0"/>
+              <a:t>‘/</a:t>
+            </a:r>
+            <a:r>
+              <a:rPr lang="en-US" dirty="0" smtClean="0"/>
+              <a:t>categories</a:t>
+            </a:r>
+            <a:r>
+              <a:rPr lang="en-US" dirty="0" smtClean="0"/>
+              <a:t>’</a:t>
+            </a:r>
+            <a:endParaRPr lang="en-US" dirty="0" smtClean="0"/>
+          </a:p>
+          <a:p>
+            <a:pPr lvl="2"/>
+            <a:r>
+              <a:rPr lang="en-US" dirty="0" smtClean="0"/>
+              <a:t>GET Home Banners : </a:t>
+            </a:r>
+            <a:r>
+              <a:rPr lang="en-US" dirty="0" smtClean="0"/>
+              <a:t>‘/</a:t>
+            </a:r>
+            <a:r>
+              <a:rPr lang="en-US" dirty="0" err="1" smtClean="0"/>
+              <a:t>home_banners</a:t>
+            </a:r>
+            <a:r>
+              <a:rPr lang="en-US" dirty="0" smtClean="0"/>
+              <a:t>’</a:t>
+            </a:r>
+          </a:p>
+          <a:p>
+            <a:pPr marL="0" indent="0">
+              <a:buNone/>
+            </a:pPr>
+            <a:r>
+              <a:rPr lang="en-US" dirty="0" smtClean="0"/>
+              <a:t>	</a:t>
+            </a:r>
+          </a:p>
+          <a:p>
+            <a:r>
+              <a:rPr lang="en-US" dirty="0" smtClean="0"/>
+              <a:t>MONGODB</a:t>
             </a:r>
           </a:p>
           <a:p>
             <a:pPr lvl="1"/>
             <a:r>
+              <a:rPr lang="en-US" dirty="0" smtClean="0"/>
+              <a:t>DB (Shopping Cart)</a:t>
+            </a:r>
+          </a:p>
+          <a:p>
+            <a:pPr lvl="2"/>
+            <a:r>
+              <a:rPr lang="en-US" dirty="0" smtClean="0"/>
+              <a:t>Collections</a:t>
+            </a:r>
+          </a:p>
+          <a:p>
+            <a:pPr lvl="3"/>
+            <a:r>
+              <a:rPr lang="en-US" dirty="0"/>
+              <a:t>c</a:t>
+            </a:r>
+            <a:r>
+              <a:rPr lang="en-US" dirty="0" smtClean="0"/>
+              <a:t>ategory</a:t>
+            </a:r>
+          </a:p>
+          <a:p>
+            <a:pPr lvl="3"/>
+            <a:r>
               <a:rPr lang="en-US" dirty="0" err="1" smtClean="0"/>
-              <a:t>Scss</a:t>
-            </a:r>
-            <a:r>
-              <a:rPr lang="en-US" dirty="0" smtClean="0"/>
-              <a:t> to </a:t>
-            </a:r>
-            <a:r>
-              <a:rPr lang="en-US" dirty="0" err="1" smtClean="0"/>
-              <a:t>css</a:t>
+              <a:t>home_banners</a:t>
             </a:r>
             <a:endParaRPr lang="en-US" dirty="0" smtClean="0"/>
           </a:p>
           <a:p>
-            <a:pPr lvl="1"/>
-            <a:r>
-              <a:rPr lang="en-US" dirty="0" smtClean="0"/>
-              <a:t>Karma jasmine test cases</a:t>
-            </a:r>
-            <a:br>
-              <a:rPr lang="en-US" dirty="0" smtClean="0"/>
-            </a:br>
-            <a:endParaRPr lang="en-US" dirty="0" smtClean="0"/>
-          </a:p>
-          <a:p>
-            <a:r>
-              <a:rPr lang="en-US" dirty="0" smtClean="0"/>
-              <a:t>Karma Jasmine (Test Cases)</a:t>
+            <a:pPr lvl="3"/>
+            <a:r>
+              <a:rPr lang="en-US" dirty="0" smtClean="0"/>
+              <a:t>products</a:t>
             </a:r>
           </a:p>
         </p:txBody>
@@ -4370,7 +4506,7 @@
     </p:spTree>
     <p:extLst>
       <p:ext uri="{BB962C8B-B14F-4D97-AF65-F5344CB8AC3E}">
-        <p14:creationId xmlns:p14="http://schemas.microsoft.com/office/powerpoint/2010/main" val="1563584567"/>
+        <p14:creationId xmlns:p14="http://schemas.microsoft.com/office/powerpoint/2010/main" val="82296547"/>
       </p:ext>
     </p:extLst>
   </p:cSld>
@@ -4406,29 +4542,6 @@
       </p:grpSpPr>
       <p:sp>
         <p:nvSpPr>
-          <p:cNvPr id="2" name="Title 1"/>
-          <p:cNvSpPr>
-            <a:spLocks noGrp="1"/>
-          </p:cNvSpPr>
-          <p:nvPr>
-            <p:ph type="title"/>
-          </p:nvPr>
-        </p:nvSpPr>
-        <p:spPr/>
-        <p:txBody>
-          <a:bodyPr/>
-          <a:lstStyle/>
-          <a:p>
-            <a:r>
-              <a:rPr lang="en-US" dirty="0" smtClean="0"/>
-              <a:t>Directory Structure</a:t>
-            </a:r>
-            <a:endParaRPr lang="en-US" dirty="0"/>
-          </a:p>
-        </p:txBody>
-      </p:sp>
-      <p:sp>
-        <p:nvSpPr>
           <p:cNvPr id="3" name="Content Placeholder 2"/>
           <p:cNvSpPr>
             <a:spLocks noGrp="1"/>
@@ -4437,160 +4550,71 @@
             <p:ph idx="1"/>
           </p:nvPr>
         </p:nvSpPr>
-        <p:spPr/>
-        <p:txBody>
-          <a:bodyPr>
-            <a:normAutofit fontScale="62500" lnSpcReduction="20000"/>
-          </a:bodyPr>
-          <a:lstStyle/>
-          <a:p>
-            <a:r>
-              <a:rPr lang="en-US" dirty="0" smtClean="0"/>
-              <a:t>Shopping Cart</a:t>
+        <p:spPr>
+          <a:xfrm>
+            <a:off x="838200" y="419548"/>
+            <a:ext cx="10515600" cy="5757415"/>
+          </a:xfrm>
+        </p:spPr>
+        <p:txBody>
+          <a:bodyPr/>
+          <a:lstStyle/>
+          <a:p>
+            <a:r>
+              <a:rPr lang="en-US" dirty="0" smtClean="0"/>
+              <a:t>WEBPACK</a:t>
             </a:r>
           </a:p>
           <a:p>
             <a:pPr lvl="1"/>
             <a:r>
               <a:rPr lang="en-US" dirty="0" err="1" smtClean="0"/>
-              <a:t>Src</a:t>
+              <a:t>Bable</a:t>
+            </a:r>
+            <a:r>
+              <a:rPr lang="en-US" dirty="0" smtClean="0"/>
+              <a:t> </a:t>
+            </a:r>
+          </a:p>
+          <a:p>
+            <a:pPr lvl="1"/>
+            <a:r>
+              <a:rPr lang="en-US" dirty="0" err="1" smtClean="0"/>
+              <a:t>Scss</a:t>
+            </a:r>
+            <a:r>
+              <a:rPr lang="en-US" dirty="0" smtClean="0"/>
+              <a:t> to </a:t>
+            </a:r>
+            <a:r>
+              <a:rPr lang="en-US" dirty="0" err="1" smtClean="0"/>
+              <a:t>css</a:t>
             </a:r>
             <a:endParaRPr lang="en-US" dirty="0" smtClean="0"/>
           </a:p>
           <a:p>
-            <a:pPr lvl="2"/>
-            <a:r>
-              <a:rPr lang="en-US" dirty="0" err="1" smtClean="0"/>
-              <a:t>Js</a:t>
-            </a:r>
-            <a:endParaRPr lang="en-US" dirty="0" smtClean="0"/>
-          </a:p>
-          <a:p>
-            <a:pPr lvl="2"/>
-            <a:r>
-              <a:rPr lang="en-US" dirty="0" smtClean="0"/>
-              <a:t>Partials</a:t>
-            </a:r>
-          </a:p>
-          <a:p>
-            <a:pPr lvl="2"/>
-            <a:r>
-              <a:rPr lang="en-US" dirty="0" smtClean="0"/>
-              <a:t>Templates</a:t>
-            </a:r>
-          </a:p>
-          <a:p>
-            <a:pPr lvl="2"/>
-            <a:r>
-              <a:rPr lang="en-US" dirty="0" smtClean="0"/>
-              <a:t>Sass</a:t>
-            </a:r>
-          </a:p>
-          <a:p>
-            <a:pPr lvl="2"/>
-            <a:r>
-              <a:rPr lang="en-US" dirty="0" smtClean="0"/>
-              <a:t>Index.html</a:t>
-            </a:r>
-          </a:p>
-          <a:p>
-            <a:pPr marL="457200" lvl="1" indent="0">
-              <a:buNone/>
-            </a:pPr>
-            <a:endParaRPr lang="en-US" dirty="0" smtClean="0"/>
-          </a:p>
-          <a:p>
             <a:pPr lvl="1"/>
             <a:r>
               <a:rPr lang="en-US" dirty="0" smtClean="0"/>
-              <a:t>Public</a:t>
-            </a:r>
-          </a:p>
-          <a:p>
-            <a:pPr lvl="2"/>
-            <a:r>
-              <a:rPr lang="en-US" dirty="0" smtClean="0"/>
-              <a:t>Static (All Images)</a:t>
-            </a:r>
-          </a:p>
-          <a:p>
-            <a:pPr lvl="2"/>
-            <a:r>
-              <a:rPr lang="en-US" dirty="0" smtClean="0"/>
-              <a:t>Bundle.js</a:t>
-            </a:r>
-          </a:p>
-          <a:p>
-            <a:pPr lvl="2"/>
-            <a:r>
-              <a:rPr lang="en-US" dirty="0" smtClean="0"/>
-              <a:t>Style.css</a:t>
-            </a:r>
-          </a:p>
-          <a:p>
-            <a:pPr lvl="2"/>
-            <a:r>
-              <a:rPr lang="en-US" dirty="0" smtClean="0"/>
-              <a:t>index.html</a:t>
-            </a:r>
-            <a:r>
-              <a:rPr lang="en-US" dirty="0"/>
-              <a:t/>
+              <a:t>Karma jasmine test cases</a:t>
             </a:r>
             <a:br>
-              <a:rPr lang="en-US" dirty="0"/>
+              <a:rPr lang="en-US" dirty="0" smtClean="0"/>
             </a:br>
             <a:endParaRPr lang="en-US" dirty="0" smtClean="0"/>
           </a:p>
           <a:p>
-            <a:pPr lvl="1"/>
-            <a:r>
-              <a:rPr lang="en-US" dirty="0" smtClean="0"/>
-              <a:t>Test</a:t>
-            </a:r>
-          </a:p>
-          <a:p>
-            <a:pPr lvl="2"/>
-            <a:r>
-              <a:rPr lang="en-US" dirty="0" smtClean="0"/>
-              <a:t>Test.spec.js</a:t>
-            </a:r>
-          </a:p>
-          <a:p>
-            <a:pPr lvl="1"/>
-            <a:endParaRPr lang="en-US" dirty="0" smtClean="0"/>
-          </a:p>
-          <a:p>
-            <a:pPr lvl="1"/>
-            <a:r>
-              <a:rPr lang="en-US" dirty="0" smtClean="0"/>
-              <a:t>Node-index.js (Node JS)</a:t>
-            </a:r>
-          </a:p>
-          <a:p>
-            <a:pPr lvl="1"/>
-            <a:r>
-              <a:rPr lang="en-US" dirty="0" smtClean="0"/>
-              <a:t>Connection.js (Mongo Connection )</a:t>
-            </a:r>
-            <a:br>
-              <a:rPr lang="en-US" dirty="0" smtClean="0"/>
-            </a:br>
-            <a:r>
-              <a:rPr lang="en-US" dirty="0" smtClean="0"/>
-              <a:t/>
-            </a:r>
-            <a:br>
-              <a:rPr lang="en-US" dirty="0" smtClean="0"/>
-            </a:br>
-            <a:endParaRPr lang="en-US" dirty="0" smtClean="0"/>
+            <a:r>
+              <a:rPr lang="en-US" dirty="0" smtClean="0"/>
+              <a:t>Karma Jasmine (Test Cases)</a:t>
+            </a:r>
           </a:p>
         </p:txBody>
       </p:sp>
     </p:spTree>
     <p:extLst>
       <p:ext uri="{BB962C8B-B14F-4D97-AF65-F5344CB8AC3E}">
-        <p14:creationId xmlns:p14="http://schemas.microsoft.com/office/powerpoint/2010/main" val="3578119227"/>
+        <p14:creationId xmlns:p14="http://schemas.microsoft.com/office/powerpoint/2010/main" val="1563584567"/>
       </p:ext>
     </p:extLst>
   </p:cSld>
@@ -4641,42 +4665,176 @@
           <a:p>
             <a:r>
               <a:rPr lang="en-US" dirty="0" smtClean="0"/>
-              <a:t>Audit Report</a:t>
+              <a:t>Directory Structure</a:t>
             </a:r>
             <a:endParaRPr lang="en-US" dirty="0"/>
           </a:p>
         </p:txBody>
       </p:sp>
-      <p:pic>
-        <p:nvPicPr>
-          <p:cNvPr id="4" name="Content Placeholder 3"/>
-          <p:cNvPicPr>
-            <a:picLocks noGrp="1" noChangeAspect="1"/>
-          </p:cNvPicPr>
+      <p:sp>
+        <p:nvSpPr>
+          <p:cNvPr id="3" name="Content Placeholder 2"/>
+          <p:cNvSpPr>
+            <a:spLocks noGrp="1"/>
+          </p:cNvSpPr>
           <p:nvPr>
             <p:ph idx="1"/>
           </p:nvPr>
-        </p:nvPicPr>
-        <p:blipFill>
-          <a:blip r:embed="rId2"/>
-          <a:stretch>
-            <a:fillRect/>
-          </a:stretch>
-        </p:blipFill>
-        <p:spPr>
-          <a:xfrm>
-            <a:off x="2614930" y="1825625"/>
-            <a:ext cx="6962140" cy="4351338"/>
-          </a:xfrm>
-          <a:prstGeom prst="rect">
-            <a:avLst/>
-          </a:prstGeom>
-        </p:spPr>
-      </p:pic>
+        </p:nvSpPr>
+        <p:spPr/>
+        <p:txBody>
+          <a:bodyPr>
+            <a:normAutofit fontScale="62500" lnSpcReduction="20000"/>
+          </a:bodyPr>
+          <a:lstStyle/>
+          <a:p>
+            <a:r>
+              <a:rPr lang="en-US" dirty="0" smtClean="0"/>
+              <a:t>Shopping Cart</a:t>
+            </a:r>
+          </a:p>
+          <a:p>
+            <a:pPr lvl="1"/>
+            <a:r>
+              <a:rPr lang="en-US" dirty="0" err="1" smtClean="0"/>
+              <a:t>Src</a:t>
+            </a:r>
+            <a:endParaRPr lang="en-US" dirty="0" smtClean="0"/>
+          </a:p>
+          <a:p>
+            <a:pPr lvl="2"/>
+            <a:r>
+              <a:rPr lang="en-US" dirty="0" err="1" smtClean="0"/>
+              <a:t>Js</a:t>
+            </a:r>
+            <a:endParaRPr lang="en-US" dirty="0" smtClean="0"/>
+          </a:p>
+          <a:p>
+            <a:pPr lvl="2"/>
+            <a:r>
+              <a:rPr lang="en-US" dirty="0" smtClean="0"/>
+              <a:t>Partials</a:t>
+            </a:r>
+          </a:p>
+          <a:p>
+            <a:pPr lvl="2"/>
+            <a:r>
+              <a:rPr lang="en-US" dirty="0" smtClean="0"/>
+              <a:t>Templates</a:t>
+            </a:r>
+          </a:p>
+          <a:p>
+            <a:pPr lvl="2"/>
+            <a:r>
+              <a:rPr lang="en-US" dirty="0" smtClean="0"/>
+              <a:t>Sass</a:t>
+            </a:r>
+          </a:p>
+          <a:p>
+            <a:pPr lvl="2"/>
+            <a:r>
+              <a:rPr lang="en-US" dirty="0" smtClean="0"/>
+              <a:t>Index.html</a:t>
+            </a:r>
+          </a:p>
+          <a:p>
+            <a:pPr marL="457200" lvl="1" indent="0">
+              <a:buNone/>
+            </a:pPr>
+            <a:endParaRPr lang="en-US" dirty="0" smtClean="0"/>
+          </a:p>
+          <a:p>
+            <a:pPr lvl="1"/>
+            <a:r>
+              <a:rPr lang="en-US" dirty="0" smtClean="0"/>
+              <a:t>Public</a:t>
+            </a:r>
+          </a:p>
+          <a:p>
+            <a:pPr lvl="2"/>
+            <a:r>
+              <a:rPr lang="en-US" dirty="0" smtClean="0"/>
+              <a:t>Static (All Images)</a:t>
+            </a:r>
+          </a:p>
+          <a:p>
+            <a:pPr lvl="2"/>
+            <a:r>
+              <a:rPr lang="en-US" dirty="0" smtClean="0"/>
+              <a:t>Bundle.js</a:t>
+            </a:r>
+          </a:p>
+          <a:p>
+            <a:pPr lvl="2"/>
+            <a:r>
+              <a:rPr lang="en-US" dirty="0" smtClean="0"/>
+              <a:t>Style.css</a:t>
+            </a:r>
+          </a:p>
+          <a:p>
+            <a:pPr lvl="2"/>
+            <a:r>
+              <a:rPr lang="en-US" dirty="0" smtClean="0"/>
+              <a:t>index.html</a:t>
+            </a:r>
+            <a:r>
+              <a:rPr lang="en-US" dirty="0"/>
+              <a:t/>
+            </a:r>
+            <a:br>
+              <a:rPr lang="en-US" dirty="0"/>
+            </a:br>
+            <a:endParaRPr lang="en-US" dirty="0" smtClean="0"/>
+          </a:p>
+          <a:p>
+            <a:pPr lvl="1"/>
+            <a:r>
+              <a:rPr lang="en-US" dirty="0" smtClean="0"/>
+              <a:t>Test</a:t>
+            </a:r>
+          </a:p>
+          <a:p>
+            <a:pPr lvl="2"/>
+            <a:r>
+              <a:rPr lang="en-US" dirty="0" smtClean="0"/>
+              <a:t>Test.spec.js</a:t>
+            </a:r>
+          </a:p>
+          <a:p>
+            <a:pPr lvl="1"/>
+            <a:endParaRPr lang="en-US" dirty="0" smtClean="0"/>
+          </a:p>
+          <a:p>
+            <a:pPr lvl="1"/>
+            <a:r>
+              <a:rPr lang="en-US" dirty="0" smtClean="0"/>
+              <a:t>Node-index.js (Node JS)</a:t>
+            </a:r>
+          </a:p>
+          <a:p>
+            <a:pPr lvl="1"/>
+            <a:r>
+              <a:rPr lang="en-US" dirty="0" smtClean="0"/>
+              <a:t>Connection.js (Mongo Connection )</a:t>
+            </a:r>
+            <a:br>
+              <a:rPr lang="en-US" dirty="0" smtClean="0"/>
+            </a:br>
+            <a:r>
+              <a:rPr lang="en-US" dirty="0" smtClean="0"/>
+              <a:t/>
+            </a:r>
+            <a:br>
+              <a:rPr lang="en-US" dirty="0" smtClean="0"/>
+            </a:br>
+            <a:endParaRPr lang="en-US" dirty="0" smtClean="0"/>
+          </a:p>
+        </p:txBody>
+      </p:sp>
     </p:spTree>
     <p:extLst>
       <p:ext uri="{BB962C8B-B14F-4D97-AF65-F5344CB8AC3E}">
-        <p14:creationId xmlns:p14="http://schemas.microsoft.com/office/powerpoint/2010/main" val="2463844641"/>
+        <p14:creationId xmlns:p14="http://schemas.microsoft.com/office/powerpoint/2010/main" val="3578119227"/>
       </p:ext>
     </p:extLst>
   </p:cSld>
@@ -4720,22 +4878,14 @@
             <p:ph type="title"/>
           </p:nvPr>
         </p:nvSpPr>
-        <p:spPr>
-          <a:xfrm>
-            <a:off x="838200" y="365125"/>
-            <a:ext cx="10515600" cy="560033"/>
-          </a:xfrm>
-        </p:spPr>
-        <p:txBody>
-          <a:bodyPr>
-            <a:normAutofit fontScale="90000"/>
-          </a:bodyPr>
-          <a:lstStyle/>
-          <a:p>
-            <a:pPr algn="ctr"/>
-            <a:r>
-              <a:rPr lang="en-US" dirty="0" smtClean="0"/>
-              <a:t>Home Page</a:t>
+        <p:spPr/>
+        <p:txBody>
+          <a:bodyPr/>
+          <a:lstStyle/>
+          <a:p>
+            <a:r>
+              <a:rPr lang="en-US" dirty="0" smtClean="0"/>
+              <a:t>Audit Report</a:t>
             </a:r>
             <a:endParaRPr lang="en-US" dirty="0"/>
           </a:p>
@@ -4759,32 +4909,8 @@
         </p:blipFill>
         <p:spPr>
           <a:xfrm>
-            <a:off x="838200" y="925158"/>
-            <a:ext cx="6928821" cy="3786691"/>
-          </a:xfrm>
-          <a:prstGeom prst="rect">
-            <a:avLst/>
-          </a:prstGeom>
-        </p:spPr>
-      </p:pic>
-      <p:pic>
-        <p:nvPicPr>
-          <p:cNvPr id="9" name="Picture 8"/>
-          <p:cNvPicPr>
-            <a:picLocks noChangeAspect="1"/>
-          </p:cNvPicPr>
-          <p:nvPr/>
-        </p:nvPicPr>
-        <p:blipFill>
-          <a:blip r:embed="rId3"/>
-          <a:stretch>
-            <a:fillRect/>
-          </a:stretch>
-        </p:blipFill>
-        <p:spPr>
-          <a:xfrm>
-            <a:off x="8057421" y="925158"/>
-            <a:ext cx="3629025" cy="5626249"/>
+            <a:off x="2614930" y="1825625"/>
+            <a:ext cx="6962140" cy="4351338"/>
           </a:xfrm>
           <a:prstGeom prst="rect">
             <a:avLst/>
@@ -4794,7 +4920,7 @@
     </p:spTree>
     <p:extLst>
       <p:ext uri="{BB962C8B-B14F-4D97-AF65-F5344CB8AC3E}">
-        <p14:creationId xmlns:p14="http://schemas.microsoft.com/office/powerpoint/2010/main" val="3786535530"/>
+        <p14:creationId xmlns:p14="http://schemas.microsoft.com/office/powerpoint/2010/main" val="2463844641"/>
       </p:ext>
     </p:extLst>
   </p:cSld>
